--- a/Images/original.pptx
+++ b/Images/original.pptx
@@ -105,6 +105,11 @@
       </a:defRPr>
     </a:lvl9pPr>
   </p:defaultTextStyle>
+  <p:extLst>
+    <p:ext uri="{EFAFB233-063F-42B5-8137-9DF3F51BA10A}">
+      <p15:sldGuideLst xmlns:p15="http://schemas.microsoft.com/office/powerpoint/2012/main"/>
+    </p:ext>
+  </p:extLst>
 </p:presentation>
 </file>
 
@@ -239,7 +244,7 @@
           <a:p>
             <a:fld id="{517EE8DE-E958-4058-AEDE-496A1143261A}" type="datetimeFigureOut">
               <a:rPr kumimoji="1" lang="ja-JP" altLang="en-US" smtClean="0"/>
-              <a:t>2014/10/28</a:t>
+              <a:t>2015/1/19</a:t>
             </a:fld>
             <a:endParaRPr kumimoji="1" lang="ja-JP" altLang="en-US"/>
           </a:p>
@@ -441,7 +446,7 @@
           <a:p>
             <a:fld id="{517EE8DE-E958-4058-AEDE-496A1143261A}" type="datetimeFigureOut">
               <a:rPr kumimoji="1" lang="ja-JP" altLang="en-US" smtClean="0"/>
-              <a:t>2014/10/28</a:t>
+              <a:t>2015/1/19</a:t>
             </a:fld>
             <a:endParaRPr kumimoji="1" lang="ja-JP" altLang="en-US"/>
           </a:p>
@@ -653,7 +658,7 @@
           <a:p>
             <a:fld id="{517EE8DE-E958-4058-AEDE-496A1143261A}" type="datetimeFigureOut">
               <a:rPr kumimoji="1" lang="ja-JP" altLang="en-US" smtClean="0"/>
-              <a:t>2014/10/28</a:t>
+              <a:t>2015/1/19</a:t>
             </a:fld>
             <a:endParaRPr kumimoji="1" lang="ja-JP" altLang="en-US"/>
           </a:p>
@@ -855,7 +860,7 @@
           <a:p>
             <a:fld id="{517EE8DE-E958-4058-AEDE-496A1143261A}" type="datetimeFigureOut">
               <a:rPr kumimoji="1" lang="ja-JP" altLang="en-US" smtClean="0"/>
-              <a:t>2014/10/28</a:t>
+              <a:t>2015/1/19</a:t>
             </a:fld>
             <a:endParaRPr kumimoji="1" lang="ja-JP" altLang="en-US"/>
           </a:p>
@@ -1101,7 +1106,7 @@
           <a:p>
             <a:fld id="{517EE8DE-E958-4058-AEDE-496A1143261A}" type="datetimeFigureOut">
               <a:rPr kumimoji="1" lang="ja-JP" altLang="en-US" smtClean="0"/>
-              <a:t>2014/10/28</a:t>
+              <a:t>2015/1/19</a:t>
             </a:fld>
             <a:endParaRPr kumimoji="1" lang="ja-JP" altLang="en-US"/>
           </a:p>
@@ -1397,7 +1402,7 @@
           <a:p>
             <a:fld id="{517EE8DE-E958-4058-AEDE-496A1143261A}" type="datetimeFigureOut">
               <a:rPr kumimoji="1" lang="ja-JP" altLang="en-US" smtClean="0"/>
-              <a:t>2014/10/28</a:t>
+              <a:t>2015/1/19</a:t>
             </a:fld>
             <a:endParaRPr kumimoji="1" lang="ja-JP" altLang="en-US"/>
           </a:p>
@@ -1828,7 +1833,7 @@
           <a:p>
             <a:fld id="{517EE8DE-E958-4058-AEDE-496A1143261A}" type="datetimeFigureOut">
               <a:rPr kumimoji="1" lang="ja-JP" altLang="en-US" smtClean="0"/>
-              <a:t>2014/10/28</a:t>
+              <a:t>2015/1/19</a:t>
             </a:fld>
             <a:endParaRPr kumimoji="1" lang="ja-JP" altLang="en-US"/>
           </a:p>
@@ -1946,7 +1951,7 @@
           <a:p>
             <a:fld id="{517EE8DE-E958-4058-AEDE-496A1143261A}" type="datetimeFigureOut">
               <a:rPr kumimoji="1" lang="ja-JP" altLang="en-US" smtClean="0"/>
-              <a:t>2014/10/28</a:t>
+              <a:t>2015/1/19</a:t>
             </a:fld>
             <a:endParaRPr kumimoji="1" lang="ja-JP" altLang="en-US"/>
           </a:p>
@@ -2041,7 +2046,7 @@
           <a:p>
             <a:fld id="{517EE8DE-E958-4058-AEDE-496A1143261A}" type="datetimeFigureOut">
               <a:rPr kumimoji="1" lang="ja-JP" altLang="en-US" smtClean="0"/>
-              <a:t>2014/10/28</a:t>
+              <a:t>2015/1/19</a:t>
             </a:fld>
             <a:endParaRPr kumimoji="1" lang="ja-JP" altLang="en-US"/>
           </a:p>
@@ -2350,7 +2355,7 @@
           <a:p>
             <a:fld id="{517EE8DE-E958-4058-AEDE-496A1143261A}" type="datetimeFigureOut">
               <a:rPr kumimoji="1" lang="ja-JP" altLang="en-US" smtClean="0"/>
-              <a:t>2014/10/28</a:t>
+              <a:t>2015/1/19</a:t>
             </a:fld>
             <a:endParaRPr kumimoji="1" lang="ja-JP" altLang="en-US"/>
           </a:p>
@@ -2603,7 +2608,7 @@
           <a:p>
             <a:fld id="{517EE8DE-E958-4058-AEDE-496A1143261A}" type="datetimeFigureOut">
               <a:rPr kumimoji="1" lang="ja-JP" altLang="en-US" smtClean="0"/>
-              <a:t>2014/10/28</a:t>
+              <a:t>2015/1/19</a:t>
             </a:fld>
             <a:endParaRPr kumimoji="1" lang="ja-JP" altLang="en-US"/>
           </a:p>
@@ -2848,7 +2853,7 @@
           <a:p>
             <a:fld id="{517EE8DE-E958-4058-AEDE-496A1143261A}" type="datetimeFigureOut">
               <a:rPr kumimoji="1" lang="ja-JP" altLang="en-US" smtClean="0"/>
-              <a:t>2014/10/28</a:t>
+              <a:t>2015/1/19</a:t>
             </a:fld>
             <a:endParaRPr kumimoji="1" lang="ja-JP" altLang="en-US"/>
           </a:p>
@@ -3609,7 +3614,7 @@
         <p:spPr>
           <a:xfrm>
             <a:off x="2544395" y="3818301"/>
-            <a:ext cx="1740989" cy="369332"/>
+            <a:ext cx="1008418" cy="369332"/>
           </a:xfrm>
           <a:prstGeom prst="rect">
             <a:avLst/>
@@ -3629,7 +3634,7 @@
                 <a:latin typeface="Segoe UI Light" panose="020B0502040204020203" pitchFamily="34" charset="0"/>
                 <a:cs typeface="Segoe UI Light" panose="020B0502040204020203" pitchFamily="34" charset="0"/>
               </a:rPr>
-              <a:t>ObjectsAfterSelf</a:t>
+              <a:t>AfterSelf</a:t>
             </a:r>
             <a:endParaRPr kumimoji="1" lang="ja-JP" altLang="en-US">
               <a:latin typeface="Segoe UI Light" panose="020B0502040204020203" pitchFamily="34" charset="0"/>
@@ -3647,7 +3652,7 @@
         <p:spPr>
           <a:xfrm>
             <a:off x="5878528" y="1200629"/>
-            <a:ext cx="1887248" cy="369332"/>
+            <a:ext cx="1154675" cy="369332"/>
           </a:xfrm>
           <a:prstGeom prst="rect">
             <a:avLst/>
@@ -3667,7 +3672,7 @@
                 <a:latin typeface="Segoe UI Light" panose="020B0502040204020203" pitchFamily="34" charset="0"/>
                 <a:cs typeface="Segoe UI Light" panose="020B0502040204020203" pitchFamily="34" charset="0"/>
               </a:rPr>
-              <a:t>ObjectsBeforeSelf</a:t>
+              <a:t>BeforeSelf</a:t>
             </a:r>
             <a:endParaRPr kumimoji="1" lang="ja-JP" altLang="en-US">
               <a:latin typeface="Segoe UI Light" panose="020B0502040204020203" pitchFamily="34" charset="0"/>
@@ -3767,7 +3772,7 @@
         <p:spPr>
           <a:xfrm flipV="1">
             <a:off x="4632485" y="1569961"/>
-            <a:ext cx="2189667" cy="440375"/>
+            <a:ext cx="1823381" cy="440376"/>
           </a:xfrm>
           <a:prstGeom prst="bentConnector2">
             <a:avLst/>
@@ -3806,8 +3811,8 @@
         </p:nvCxnSpPr>
         <p:spPr>
           <a:xfrm rot="5400000" flipH="1" flipV="1">
-            <a:off x="3638436" y="2803551"/>
-            <a:ext cx="791204" cy="1238297"/>
+            <a:off x="3455294" y="2620409"/>
+            <a:ext cx="791203" cy="1604582"/>
           </a:xfrm>
           <a:prstGeom prst="bentConnector2">
             <a:avLst/>
@@ -4316,7 +4321,7 @@
           <p:spPr>
             <a:xfrm>
               <a:off x="6764796" y="3107103"/>
-              <a:ext cx="1812396" cy="412755"/>
+              <a:ext cx="1086253" cy="412755"/>
             </a:xfrm>
             <a:prstGeom prst="rect">
               <a:avLst/>
@@ -4336,7 +4341,7 @@
                   <a:latin typeface="Segoe UI Light" panose="020B0502040204020203" pitchFamily="34" charset="0"/>
                   <a:cs typeface="Segoe UI Light" panose="020B0502040204020203" pitchFamily="34" charset="0"/>
                 </a:rPr>
-                <a:t>ObjectsAfterSelf</a:t>
+                <a:t>AfterSelf</a:t>
               </a:r>
               <a:endParaRPr kumimoji="1" lang="ja-JP" altLang="en-US" sz="1200">
                 <a:latin typeface="Segoe UI Light" panose="020B0502040204020203" pitchFamily="34" charset="0"/>
@@ -4354,7 +4359,7 @@
           <p:spPr>
             <a:xfrm>
               <a:off x="10098929" y="489431"/>
-              <a:ext cx="1956954" cy="412755"/>
+              <a:ext cx="1230811" cy="412755"/>
             </a:xfrm>
             <a:prstGeom prst="rect">
               <a:avLst/>
@@ -4374,7 +4379,7 @@
                   <a:latin typeface="Segoe UI Light" panose="020B0502040204020203" pitchFamily="34" charset="0"/>
                   <a:cs typeface="Segoe UI Light" panose="020B0502040204020203" pitchFamily="34" charset="0"/>
                 </a:rPr>
-                <a:t>ObjectsBeforeSelf</a:t>
+                <a:t>BeforeSelf</a:t>
               </a:r>
               <a:endParaRPr kumimoji="1" lang="ja-JP" altLang="en-US" sz="1200">
                 <a:latin typeface="Segoe UI Light" panose="020B0502040204020203" pitchFamily="34" charset="0"/>
@@ -4474,7 +4479,7 @@
           <p:spPr>
             <a:xfrm flipV="1">
               <a:off x="8852886" y="902186"/>
-              <a:ext cx="2224520" cy="396952"/>
+              <a:ext cx="1861449" cy="396952"/>
             </a:xfrm>
             <a:prstGeom prst="bentConnector2">
               <a:avLst/>
@@ -4513,8 +4518,8 @@
           </p:nvCxnSpPr>
           <p:spPr>
             <a:xfrm rot="5400000" flipH="1" flipV="1">
-              <a:off x="7876690" y="2110205"/>
-              <a:ext cx="791202" cy="1202593"/>
+              <a:off x="7695153" y="1928670"/>
+              <a:ext cx="791202" cy="1565666"/>
             </a:xfrm>
             <a:prstGeom prst="bentConnector2">
               <a:avLst/>
